--- a/OR/write_up/figures/likelihoods/Profile_plots.pptx
+++ b/OR/write_up/figures/likelihoods/Profile_plots.pptx
@@ -10,13 +10,13 @@
   <p:sldIdLst>
     <p:sldId id="257" r:id="rId2"/>
     <p:sldId id="258" r:id="rId3"/>
-    <p:sldId id="256" r:id="rId4"/>
-    <p:sldId id="259" r:id="rId5"/>
-    <p:sldId id="262" r:id="rId6"/>
-    <p:sldId id="263" r:id="rId7"/>
-    <p:sldId id="264" r:id="rId8"/>
-    <p:sldId id="265" r:id="rId9"/>
-    <p:sldId id="266" r:id="rId10"/>
+    <p:sldId id="262" r:id="rId4"/>
+    <p:sldId id="263" r:id="rId5"/>
+    <p:sldId id="268" r:id="rId6"/>
+    <p:sldId id="264" r:id="rId7"/>
+    <p:sldId id="266" r:id="rId8"/>
+    <p:sldId id="269" r:id="rId9"/>
+    <p:sldId id="265" r:id="rId10"/>
     <p:sldId id="267" r:id="rId11"/>
   </p:sldIdLst>
   <p:sldSz cx="12192000" cy="6858000"/>
@@ -783,12 +783,8 @@
           <a:lstStyle/>
           <a:p>
             <a:r>
-              <a:rPr lang="en-US" dirty="0" err="1" smtClean="0"/>
-              <a:t>Linf</a:t>
-            </a:r>
-            <a:r>
               <a:rPr lang="en-US" dirty="0" smtClean="0"/>
-              <a:t> F</a:t>
+              <a:t>M female</a:t>
             </a:r>
             <a:endParaRPr lang="en-US" dirty="0"/>
           </a:p>
@@ -820,7 +816,7 @@
     </p:spTree>
     <p:extLst>
       <p:ext uri="{BB962C8B-B14F-4D97-AF65-F5344CB8AC3E}">
-        <p14:creationId xmlns:p14="http://schemas.microsoft.com/office/powerpoint/2010/main" val="2234556850"/>
+        <p14:creationId xmlns:p14="http://schemas.microsoft.com/office/powerpoint/2010/main" val="1499728748"/>
       </p:ext>
     </p:extLst>
   </p:cSld>
@@ -875,12 +871,8 @@
           <a:lstStyle/>
           <a:p>
             <a:r>
-              <a:rPr lang="en-US" dirty="0" err="1" smtClean="0"/>
-              <a:t>Linf</a:t>
-            </a:r>
-            <a:r>
-              <a:rPr lang="en-US" baseline="0" dirty="0" smtClean="0"/>
-              <a:t> Males</a:t>
+              <a:rPr lang="en-US" dirty="0" smtClean="0"/>
+              <a:t>M male</a:t>
             </a:r>
             <a:endParaRPr lang="en-US" dirty="0"/>
           </a:p>
@@ -912,7 +904,7 @@
     </p:spTree>
     <p:extLst>
       <p:ext uri="{BB962C8B-B14F-4D97-AF65-F5344CB8AC3E}">
-        <p14:creationId xmlns:p14="http://schemas.microsoft.com/office/powerpoint/2010/main" val="3880914723"/>
+        <p14:creationId xmlns:p14="http://schemas.microsoft.com/office/powerpoint/2010/main" val="2343908045"/>
       </p:ext>
     </p:extLst>
   </p:cSld>
@@ -967,8 +959,12 @@
           <a:lstStyle/>
           <a:p>
             <a:r>
+              <a:rPr lang="en-US" dirty="0" err="1" smtClean="0"/>
+              <a:t>Linf</a:t>
+            </a:r>
+            <a:r>
               <a:rPr lang="en-US" dirty="0" smtClean="0"/>
-              <a:t>M female</a:t>
+              <a:t> F</a:t>
             </a:r>
             <a:endParaRPr lang="en-US" dirty="0"/>
           </a:p>
@@ -1000,7 +996,7 @@
     </p:spTree>
     <p:extLst>
       <p:ext uri="{BB962C8B-B14F-4D97-AF65-F5344CB8AC3E}">
-        <p14:creationId xmlns:p14="http://schemas.microsoft.com/office/powerpoint/2010/main" val="1499728748"/>
+        <p14:creationId xmlns:p14="http://schemas.microsoft.com/office/powerpoint/2010/main" val="1652045393"/>
       </p:ext>
     </p:extLst>
   </p:cSld>
@@ -1056,7 +1052,7 @@
           <a:p>
             <a:r>
               <a:rPr lang="en-US" dirty="0" smtClean="0"/>
-              <a:t>M male</a:t>
+              <a:t>K female</a:t>
             </a:r>
             <a:endParaRPr lang="en-US" dirty="0"/>
           </a:p>
@@ -1088,7 +1084,7 @@
     </p:spTree>
     <p:extLst>
       <p:ext uri="{BB962C8B-B14F-4D97-AF65-F5344CB8AC3E}">
-        <p14:creationId xmlns:p14="http://schemas.microsoft.com/office/powerpoint/2010/main" val="2343908045"/>
+        <p14:creationId xmlns:p14="http://schemas.microsoft.com/office/powerpoint/2010/main" val="3452700253"/>
       </p:ext>
     </p:extLst>
   </p:cSld>
@@ -1144,7 +1140,7 @@
           <a:p>
             <a:r>
               <a:rPr lang="en-US" dirty="0" smtClean="0"/>
-              <a:t>K female</a:t>
+              <a:t>Old CV females</a:t>
             </a:r>
             <a:endParaRPr lang="en-US" dirty="0"/>
           </a:p>
@@ -1176,7 +1172,7 @@
     </p:spTree>
     <p:extLst>
       <p:ext uri="{BB962C8B-B14F-4D97-AF65-F5344CB8AC3E}">
-        <p14:creationId xmlns:p14="http://schemas.microsoft.com/office/powerpoint/2010/main" val="3452700253"/>
+        <p14:creationId xmlns:p14="http://schemas.microsoft.com/office/powerpoint/2010/main" val="3664376043"/>
       </p:ext>
     </p:extLst>
   </p:cSld>
@@ -1231,8 +1227,12 @@
           <a:lstStyle/>
           <a:p>
             <a:r>
-              <a:rPr lang="en-US" smtClean="0"/>
-              <a:t>K male</a:t>
+              <a:rPr lang="en-US" dirty="0" err="1" smtClean="0"/>
+              <a:t>Linf</a:t>
+            </a:r>
+            <a:r>
+              <a:rPr lang="en-US" baseline="0" dirty="0" smtClean="0"/>
+              <a:t> Males</a:t>
             </a:r>
             <a:endParaRPr lang="en-US" dirty="0"/>
           </a:p>
@@ -1264,7 +1264,7 @@
     </p:spTree>
     <p:extLst>
       <p:ext uri="{BB962C8B-B14F-4D97-AF65-F5344CB8AC3E}">
-        <p14:creationId xmlns:p14="http://schemas.microsoft.com/office/powerpoint/2010/main" val="698739030"/>
+        <p14:creationId xmlns:p14="http://schemas.microsoft.com/office/powerpoint/2010/main" val="2876191727"/>
       </p:ext>
     </p:extLst>
   </p:cSld>
@@ -1319,8 +1319,8 @@
           <a:lstStyle/>
           <a:p>
             <a:r>
-              <a:rPr lang="en-US" dirty="0" smtClean="0"/>
-              <a:t>Old CV females</a:t>
+              <a:rPr lang="en-US" smtClean="0"/>
+              <a:t>K male</a:t>
             </a:r>
             <a:endParaRPr lang="en-US" dirty="0"/>
           </a:p>
@@ -1352,7 +1352,7 @@
     </p:spTree>
     <p:extLst>
       <p:ext uri="{BB962C8B-B14F-4D97-AF65-F5344CB8AC3E}">
-        <p14:creationId xmlns:p14="http://schemas.microsoft.com/office/powerpoint/2010/main" val="3664376043"/>
+        <p14:creationId xmlns:p14="http://schemas.microsoft.com/office/powerpoint/2010/main" val="698739030"/>
       </p:ext>
     </p:extLst>
   </p:cSld>
@@ -4491,186 +4491,6 @@
       </p:grpSpPr>
       <p:pic>
         <p:nvPicPr>
-          <p:cNvPr id="2" name="Picture 1"/>
-          <p:cNvPicPr>
-            <a:picLocks noChangeAspect="1"/>
-          </p:cNvPicPr>
-          <p:nvPr/>
-        </p:nvPicPr>
-        <p:blipFill>
-          <a:blip r:embed="rId3" cstate="print">
-            <a:extLst>
-              <a:ext uri="{28A0092B-C50C-407E-A947-70E740481C1C}">
-                <a14:useLocalDpi xmlns:a14="http://schemas.microsoft.com/office/drawing/2010/main" val="0"/>
-              </a:ext>
-            </a:extLst>
-          </a:blip>
-          <a:stretch>
-            <a:fillRect/>
-          </a:stretch>
-        </p:blipFill>
-        <p:spPr>
-          <a:xfrm>
-            <a:off x="623447" y="690410"/>
-            <a:ext cx="5486400" cy="5486400"/>
-          </a:xfrm>
-          <a:prstGeom prst="rect">
-            <a:avLst/>
-          </a:prstGeom>
-        </p:spPr>
-      </p:pic>
-      <p:pic>
-        <p:nvPicPr>
-          <p:cNvPr id="3" name="Picture 2"/>
-          <p:cNvPicPr>
-            <a:picLocks noChangeAspect="1"/>
-          </p:cNvPicPr>
-          <p:nvPr/>
-        </p:nvPicPr>
-        <p:blipFill>
-          <a:blip r:embed="rId4" cstate="print">
-            <a:extLst>
-              <a:ext uri="{28A0092B-C50C-407E-A947-70E740481C1C}">
-                <a14:useLocalDpi xmlns:a14="http://schemas.microsoft.com/office/drawing/2010/main" val="0"/>
-              </a:ext>
-            </a:extLst>
-          </a:blip>
-          <a:stretch>
-            <a:fillRect/>
-          </a:stretch>
-        </p:blipFill>
-        <p:spPr>
-          <a:xfrm>
-            <a:off x="6100608" y="690408"/>
-            <a:ext cx="5486400" cy="5486400"/>
-          </a:xfrm>
-          <a:prstGeom prst="rect">
-            <a:avLst/>
-          </a:prstGeom>
-        </p:spPr>
-      </p:pic>
-    </p:spTree>
-    <p:extLst>
-      <p:ext uri="{BB962C8B-B14F-4D97-AF65-F5344CB8AC3E}">
-        <p14:creationId xmlns:p14="http://schemas.microsoft.com/office/powerpoint/2010/main" val="3396588709"/>
-      </p:ext>
-    </p:extLst>
-  </p:cSld>
-  <p:clrMapOvr>
-    <a:masterClrMapping/>
-  </p:clrMapOvr>
-</p:sld>
-</file>
-
-<file path=ppt/slides/slide4.xml><?xml version="1.0" encoding="utf-8"?>
-<p:sld xmlns:a="http://schemas.openxmlformats.org/drawingml/2006/main" xmlns:r="http://schemas.openxmlformats.org/officeDocument/2006/relationships" xmlns:p="http://schemas.openxmlformats.org/presentationml/2006/main">
-  <p:cSld>
-    <p:spTree>
-      <p:nvGrpSpPr>
-        <p:cNvPr id="1" name=""/>
-        <p:cNvGrpSpPr/>
-        <p:nvPr/>
-      </p:nvGrpSpPr>
-      <p:grpSpPr>
-        <a:xfrm>
-          <a:off x="0" y="0"/>
-          <a:ext cx="0" cy="0"/>
-          <a:chOff x="0" y="0"/>
-          <a:chExt cx="0" cy="0"/>
-        </a:xfrm>
-      </p:grpSpPr>
-      <p:pic>
-        <p:nvPicPr>
-          <p:cNvPr id="4" name="Picture 3"/>
-          <p:cNvPicPr>
-            <a:picLocks noChangeAspect="1"/>
-          </p:cNvPicPr>
-          <p:nvPr/>
-        </p:nvPicPr>
-        <p:blipFill>
-          <a:blip r:embed="rId3" cstate="print">
-            <a:extLst>
-              <a:ext uri="{28A0092B-C50C-407E-A947-70E740481C1C}">
-                <a14:useLocalDpi xmlns:a14="http://schemas.microsoft.com/office/drawing/2010/main" val="0"/>
-              </a:ext>
-            </a:extLst>
-          </a:blip>
-          <a:stretch>
-            <a:fillRect/>
-          </a:stretch>
-        </p:blipFill>
-        <p:spPr>
-          <a:xfrm>
-            <a:off x="614209" y="690410"/>
-            <a:ext cx="5486400" cy="5486400"/>
-          </a:xfrm>
-          <a:prstGeom prst="rect">
-            <a:avLst/>
-          </a:prstGeom>
-        </p:spPr>
-      </p:pic>
-      <p:pic>
-        <p:nvPicPr>
-          <p:cNvPr id="5" name="Picture 4"/>
-          <p:cNvPicPr>
-            <a:picLocks noChangeAspect="1"/>
-          </p:cNvPicPr>
-          <p:nvPr/>
-        </p:nvPicPr>
-        <p:blipFill>
-          <a:blip r:embed="rId4" cstate="print">
-            <a:extLst>
-              <a:ext uri="{28A0092B-C50C-407E-A947-70E740481C1C}">
-                <a14:useLocalDpi xmlns:a14="http://schemas.microsoft.com/office/drawing/2010/main" val="0"/>
-              </a:ext>
-            </a:extLst>
-          </a:blip>
-          <a:stretch>
-            <a:fillRect/>
-          </a:stretch>
-        </p:blipFill>
-        <p:spPr>
-          <a:xfrm>
-            <a:off x="6091374" y="690411"/>
-            <a:ext cx="5486400" cy="5486400"/>
-          </a:xfrm>
-          <a:prstGeom prst="rect">
-            <a:avLst/>
-          </a:prstGeom>
-        </p:spPr>
-      </p:pic>
-    </p:spTree>
-    <p:extLst>
-      <p:ext uri="{BB962C8B-B14F-4D97-AF65-F5344CB8AC3E}">
-        <p14:creationId xmlns:p14="http://schemas.microsoft.com/office/powerpoint/2010/main" val="3626705014"/>
-      </p:ext>
-    </p:extLst>
-  </p:cSld>
-  <p:clrMapOvr>
-    <a:masterClrMapping/>
-  </p:clrMapOvr>
-</p:sld>
-</file>
-
-<file path=ppt/slides/slide5.xml><?xml version="1.0" encoding="utf-8"?>
-<p:sld xmlns:a="http://schemas.openxmlformats.org/drawingml/2006/main" xmlns:r="http://schemas.openxmlformats.org/officeDocument/2006/relationships" xmlns:p="http://schemas.openxmlformats.org/presentationml/2006/main">
-  <p:cSld>
-    <p:spTree>
-      <p:nvGrpSpPr>
-        <p:cNvPr id="1" name=""/>
-        <p:cNvGrpSpPr/>
-        <p:nvPr/>
-      </p:nvGrpSpPr>
-      <p:grpSpPr>
-        <a:xfrm>
-          <a:off x="0" y="0"/>
-          <a:ext cx="0" cy="0"/>
-          <a:chOff x="0" y="0"/>
-          <a:chExt cx="0" cy="0"/>
-        </a:xfrm>
-      </p:grpSpPr>
-      <p:pic>
-        <p:nvPicPr>
           <p:cNvPr id="4" name="Picture 3"/>
           <p:cNvPicPr>
             <a:picLocks noChangeAspect="1"/>
@@ -4742,7 +4562,7 @@
 </p:sld>
 </file>
 
-<file path=ppt/slides/slide6.xml><?xml version="1.0" encoding="utf-8"?>
+<file path=ppt/slides/slide4.xml><?xml version="1.0" encoding="utf-8"?>
 <p:sld xmlns:a="http://schemas.openxmlformats.org/drawingml/2006/main" xmlns:r="http://schemas.openxmlformats.org/officeDocument/2006/relationships" xmlns:p="http://schemas.openxmlformats.org/presentationml/2006/main">
   <p:cSld>
     <p:spTree>
@@ -4832,7 +4652,97 @@
 </p:sld>
 </file>
 
-<file path=ppt/slides/slide7.xml><?xml version="1.0" encoding="utf-8"?>
+<file path=ppt/slides/slide5.xml><?xml version="1.0" encoding="utf-8"?>
+<p:sld xmlns:a="http://schemas.openxmlformats.org/drawingml/2006/main" xmlns:r="http://schemas.openxmlformats.org/officeDocument/2006/relationships" xmlns:p="http://schemas.openxmlformats.org/presentationml/2006/main">
+  <p:cSld>
+    <p:spTree>
+      <p:nvGrpSpPr>
+        <p:cNvPr id="1" name=""/>
+        <p:cNvGrpSpPr/>
+        <p:nvPr/>
+      </p:nvGrpSpPr>
+      <p:grpSpPr>
+        <a:xfrm>
+          <a:off x="0" y="0"/>
+          <a:ext cx="0" cy="0"/>
+          <a:chOff x="0" y="0"/>
+          <a:chExt cx="0" cy="0"/>
+        </a:xfrm>
+      </p:grpSpPr>
+      <p:pic>
+        <p:nvPicPr>
+          <p:cNvPr id="2" name="Picture 1"/>
+          <p:cNvPicPr>
+            <a:picLocks noChangeAspect="1"/>
+          </p:cNvPicPr>
+          <p:nvPr/>
+        </p:nvPicPr>
+        <p:blipFill>
+          <a:blip r:embed="rId3" cstate="print">
+            <a:extLst>
+              <a:ext uri="{28A0092B-C50C-407E-A947-70E740481C1C}">
+                <a14:useLocalDpi xmlns:a14="http://schemas.microsoft.com/office/drawing/2010/main" val="0"/>
+              </a:ext>
+            </a:extLst>
+          </a:blip>
+          <a:stretch>
+            <a:fillRect/>
+          </a:stretch>
+        </p:blipFill>
+        <p:spPr>
+          <a:xfrm>
+            <a:off x="623447" y="690410"/>
+            <a:ext cx="5486400" cy="5486400"/>
+          </a:xfrm>
+          <a:prstGeom prst="rect">
+            <a:avLst/>
+          </a:prstGeom>
+        </p:spPr>
+      </p:pic>
+      <p:pic>
+        <p:nvPicPr>
+          <p:cNvPr id="3" name="Picture 2"/>
+          <p:cNvPicPr>
+            <a:picLocks noChangeAspect="1"/>
+          </p:cNvPicPr>
+          <p:nvPr/>
+        </p:nvPicPr>
+        <p:blipFill>
+          <a:blip r:embed="rId4" cstate="print">
+            <a:extLst>
+              <a:ext uri="{28A0092B-C50C-407E-A947-70E740481C1C}">
+                <a14:useLocalDpi xmlns:a14="http://schemas.microsoft.com/office/drawing/2010/main" val="0"/>
+              </a:ext>
+            </a:extLst>
+          </a:blip>
+          <a:stretch>
+            <a:fillRect/>
+          </a:stretch>
+        </p:blipFill>
+        <p:spPr>
+          <a:xfrm>
+            <a:off x="6100608" y="690408"/>
+            <a:ext cx="5486400" cy="5486400"/>
+          </a:xfrm>
+          <a:prstGeom prst="rect">
+            <a:avLst/>
+          </a:prstGeom>
+        </p:spPr>
+      </p:pic>
+    </p:spTree>
+    <p:extLst>
+      <p:ext uri="{BB962C8B-B14F-4D97-AF65-F5344CB8AC3E}">
+        <p14:creationId xmlns:p14="http://schemas.microsoft.com/office/powerpoint/2010/main" val="1686318728"/>
+      </p:ext>
+    </p:extLst>
+  </p:cSld>
+  <p:clrMapOvr>
+    <a:masterClrMapping/>
+  </p:clrMapOvr>
+</p:sld>
+</file>
+
+<file path=ppt/slides/slide6.xml><?xml version="1.0" encoding="utf-8"?>
 <p:sld xmlns:a="http://schemas.openxmlformats.org/drawingml/2006/main" xmlns:r="http://schemas.openxmlformats.org/officeDocument/2006/relationships" xmlns:p="http://schemas.openxmlformats.org/presentationml/2006/main">
   <p:cSld>
     <p:spTree>
@@ -4922,7 +4832,187 @@
 </p:sld>
 </file>
 
+<file path=ppt/slides/slide7.xml><?xml version="1.0" encoding="utf-8"?>
+<p:sld xmlns:a="http://schemas.openxmlformats.org/drawingml/2006/main" xmlns:r="http://schemas.openxmlformats.org/officeDocument/2006/relationships" xmlns:p="http://schemas.openxmlformats.org/presentationml/2006/main">
+  <p:cSld>
+    <p:spTree>
+      <p:nvGrpSpPr>
+        <p:cNvPr id="1" name=""/>
+        <p:cNvGrpSpPr/>
+        <p:nvPr/>
+      </p:nvGrpSpPr>
+      <p:grpSpPr>
+        <a:xfrm>
+          <a:off x="0" y="0"/>
+          <a:ext cx="0" cy="0"/>
+          <a:chOff x="0" y="0"/>
+          <a:chExt cx="0" cy="0"/>
+        </a:xfrm>
+      </p:grpSpPr>
+      <p:pic>
+        <p:nvPicPr>
+          <p:cNvPr id="2" name="Picture 1"/>
+          <p:cNvPicPr>
+            <a:picLocks noChangeAspect="1"/>
+          </p:cNvPicPr>
+          <p:nvPr/>
+        </p:nvPicPr>
+        <p:blipFill>
+          <a:blip r:embed="rId3" cstate="print">
+            <a:extLst>
+              <a:ext uri="{28A0092B-C50C-407E-A947-70E740481C1C}">
+                <a14:useLocalDpi xmlns:a14="http://schemas.microsoft.com/office/drawing/2010/main" val="0"/>
+              </a:ext>
+            </a:extLst>
+          </a:blip>
+          <a:stretch>
+            <a:fillRect/>
+          </a:stretch>
+        </p:blipFill>
+        <p:spPr>
+          <a:xfrm>
+            <a:off x="614209" y="690411"/>
+            <a:ext cx="5486400" cy="5486400"/>
+          </a:xfrm>
+          <a:prstGeom prst="rect">
+            <a:avLst/>
+          </a:prstGeom>
+        </p:spPr>
+      </p:pic>
+      <p:pic>
+        <p:nvPicPr>
+          <p:cNvPr id="3" name="Picture 2"/>
+          <p:cNvPicPr>
+            <a:picLocks noChangeAspect="1"/>
+          </p:cNvPicPr>
+          <p:nvPr/>
+        </p:nvPicPr>
+        <p:blipFill>
+          <a:blip r:embed="rId4" cstate="print">
+            <a:extLst>
+              <a:ext uri="{28A0092B-C50C-407E-A947-70E740481C1C}">
+                <a14:useLocalDpi xmlns:a14="http://schemas.microsoft.com/office/drawing/2010/main" val="0"/>
+              </a:ext>
+            </a:extLst>
+          </a:blip>
+          <a:stretch>
+            <a:fillRect/>
+          </a:stretch>
+        </p:blipFill>
+        <p:spPr>
+          <a:xfrm>
+            <a:off x="6091369" y="690413"/>
+            <a:ext cx="5486400" cy="5486400"/>
+          </a:xfrm>
+          <a:prstGeom prst="rect">
+            <a:avLst/>
+          </a:prstGeom>
+        </p:spPr>
+      </p:pic>
+    </p:spTree>
+    <p:extLst>
+      <p:ext uri="{BB962C8B-B14F-4D97-AF65-F5344CB8AC3E}">
+        <p14:creationId xmlns:p14="http://schemas.microsoft.com/office/powerpoint/2010/main" val="3243750200"/>
+      </p:ext>
+    </p:extLst>
+  </p:cSld>
+  <p:clrMapOvr>
+    <a:masterClrMapping/>
+  </p:clrMapOvr>
+</p:sld>
+</file>
+
 <file path=ppt/slides/slide8.xml><?xml version="1.0" encoding="utf-8"?>
+<p:sld xmlns:a="http://schemas.openxmlformats.org/drawingml/2006/main" xmlns:r="http://schemas.openxmlformats.org/officeDocument/2006/relationships" xmlns:p="http://schemas.openxmlformats.org/presentationml/2006/main">
+  <p:cSld>
+    <p:spTree>
+      <p:nvGrpSpPr>
+        <p:cNvPr id="1" name=""/>
+        <p:cNvGrpSpPr/>
+        <p:nvPr/>
+      </p:nvGrpSpPr>
+      <p:grpSpPr>
+        <a:xfrm>
+          <a:off x="0" y="0"/>
+          <a:ext cx="0" cy="0"/>
+          <a:chOff x="0" y="0"/>
+          <a:chExt cx="0" cy="0"/>
+        </a:xfrm>
+      </p:grpSpPr>
+      <p:pic>
+        <p:nvPicPr>
+          <p:cNvPr id="4" name="Picture 3"/>
+          <p:cNvPicPr>
+            <a:picLocks noChangeAspect="1"/>
+          </p:cNvPicPr>
+          <p:nvPr/>
+        </p:nvPicPr>
+        <p:blipFill>
+          <a:blip r:embed="rId3" cstate="print">
+            <a:extLst>
+              <a:ext uri="{28A0092B-C50C-407E-A947-70E740481C1C}">
+                <a14:useLocalDpi xmlns:a14="http://schemas.microsoft.com/office/drawing/2010/main" val="0"/>
+              </a:ext>
+            </a:extLst>
+          </a:blip>
+          <a:stretch>
+            <a:fillRect/>
+          </a:stretch>
+        </p:blipFill>
+        <p:spPr>
+          <a:xfrm>
+            <a:off x="614209" y="690410"/>
+            <a:ext cx="5486400" cy="5486400"/>
+          </a:xfrm>
+          <a:prstGeom prst="rect">
+            <a:avLst/>
+          </a:prstGeom>
+        </p:spPr>
+      </p:pic>
+      <p:pic>
+        <p:nvPicPr>
+          <p:cNvPr id="5" name="Picture 4"/>
+          <p:cNvPicPr>
+            <a:picLocks noChangeAspect="1"/>
+          </p:cNvPicPr>
+          <p:nvPr/>
+        </p:nvPicPr>
+        <p:blipFill>
+          <a:blip r:embed="rId4" cstate="print">
+            <a:extLst>
+              <a:ext uri="{28A0092B-C50C-407E-A947-70E740481C1C}">
+                <a14:useLocalDpi xmlns:a14="http://schemas.microsoft.com/office/drawing/2010/main" val="0"/>
+              </a:ext>
+            </a:extLst>
+          </a:blip>
+          <a:stretch>
+            <a:fillRect/>
+          </a:stretch>
+        </p:blipFill>
+        <p:spPr>
+          <a:xfrm>
+            <a:off x="6091374" y="690411"/>
+            <a:ext cx="5486400" cy="5486400"/>
+          </a:xfrm>
+          <a:prstGeom prst="rect">
+            <a:avLst/>
+          </a:prstGeom>
+        </p:spPr>
+      </p:pic>
+    </p:spTree>
+    <p:extLst>
+      <p:ext uri="{BB962C8B-B14F-4D97-AF65-F5344CB8AC3E}">
+        <p14:creationId xmlns:p14="http://schemas.microsoft.com/office/powerpoint/2010/main" val="1054441544"/>
+      </p:ext>
+    </p:extLst>
+  </p:cSld>
+  <p:clrMapOvr>
+    <a:masterClrMapping/>
+  </p:clrMapOvr>
+</p:sld>
+</file>
+
+<file path=ppt/slides/slide9.xml><?xml version="1.0" encoding="utf-8"?>
 <p:sld xmlns:a="http://schemas.openxmlformats.org/drawingml/2006/main" xmlns:r="http://schemas.openxmlformats.org/officeDocument/2006/relationships" xmlns:p="http://schemas.openxmlformats.org/presentationml/2006/main">
   <p:cSld>
     <p:spTree>
@@ -5003,96 +5093,6 @@
     <p:extLst>
       <p:ext uri="{BB962C8B-B14F-4D97-AF65-F5344CB8AC3E}">
         <p14:creationId xmlns:p14="http://schemas.microsoft.com/office/powerpoint/2010/main" val="197219318"/>
-      </p:ext>
-    </p:extLst>
-  </p:cSld>
-  <p:clrMapOvr>
-    <a:masterClrMapping/>
-  </p:clrMapOvr>
-</p:sld>
-</file>
-
-<file path=ppt/slides/slide9.xml><?xml version="1.0" encoding="utf-8"?>
-<p:sld xmlns:a="http://schemas.openxmlformats.org/drawingml/2006/main" xmlns:r="http://schemas.openxmlformats.org/officeDocument/2006/relationships" xmlns:p="http://schemas.openxmlformats.org/presentationml/2006/main">
-  <p:cSld>
-    <p:spTree>
-      <p:nvGrpSpPr>
-        <p:cNvPr id="1" name=""/>
-        <p:cNvGrpSpPr/>
-        <p:nvPr/>
-      </p:nvGrpSpPr>
-      <p:grpSpPr>
-        <a:xfrm>
-          <a:off x="0" y="0"/>
-          <a:ext cx="0" cy="0"/>
-          <a:chOff x="0" y="0"/>
-          <a:chExt cx="0" cy="0"/>
-        </a:xfrm>
-      </p:grpSpPr>
-      <p:pic>
-        <p:nvPicPr>
-          <p:cNvPr id="2" name="Picture 1"/>
-          <p:cNvPicPr>
-            <a:picLocks noChangeAspect="1"/>
-          </p:cNvPicPr>
-          <p:nvPr/>
-        </p:nvPicPr>
-        <p:blipFill>
-          <a:blip r:embed="rId3" cstate="print">
-            <a:extLst>
-              <a:ext uri="{28A0092B-C50C-407E-A947-70E740481C1C}">
-                <a14:useLocalDpi xmlns:a14="http://schemas.microsoft.com/office/drawing/2010/main" val="0"/>
-              </a:ext>
-            </a:extLst>
-          </a:blip>
-          <a:stretch>
-            <a:fillRect/>
-          </a:stretch>
-        </p:blipFill>
-        <p:spPr>
-          <a:xfrm>
-            <a:off x="614209" y="690411"/>
-            <a:ext cx="5486400" cy="5486400"/>
-          </a:xfrm>
-          <a:prstGeom prst="rect">
-            <a:avLst/>
-          </a:prstGeom>
-        </p:spPr>
-      </p:pic>
-      <p:pic>
-        <p:nvPicPr>
-          <p:cNvPr id="3" name="Picture 2"/>
-          <p:cNvPicPr>
-            <a:picLocks noChangeAspect="1"/>
-          </p:cNvPicPr>
-          <p:nvPr/>
-        </p:nvPicPr>
-        <p:blipFill>
-          <a:blip r:embed="rId4" cstate="print">
-            <a:extLst>
-              <a:ext uri="{28A0092B-C50C-407E-A947-70E740481C1C}">
-                <a14:useLocalDpi xmlns:a14="http://schemas.microsoft.com/office/drawing/2010/main" val="0"/>
-              </a:ext>
-            </a:extLst>
-          </a:blip>
-          <a:stretch>
-            <a:fillRect/>
-          </a:stretch>
-        </p:blipFill>
-        <p:spPr>
-          <a:xfrm>
-            <a:off x="6091369" y="690413"/>
-            <a:ext cx="5486400" cy="5486400"/>
-          </a:xfrm>
-          <a:prstGeom prst="rect">
-            <a:avLst/>
-          </a:prstGeom>
-        </p:spPr>
-      </p:pic>
-    </p:spTree>
-    <p:extLst>
-      <p:ext uri="{BB962C8B-B14F-4D97-AF65-F5344CB8AC3E}">
-        <p14:creationId xmlns:p14="http://schemas.microsoft.com/office/powerpoint/2010/main" val="3243750200"/>
       </p:ext>
     </p:extLst>
   </p:cSld>

--- a/OR/write_up/figures/likelihoods/Profile_plots.pptx
+++ b/OR/write_up/figures/likelihoods/Profile_plots.pptx
@@ -206,7 +206,7 @@
           <a:p>
             <a:fld id="{2B99981D-BB4D-4BCE-865B-24F9CD0DA295}" type="datetimeFigureOut">
               <a:rPr lang="en-US" smtClean="0"/>
-              <a:t>7/1/2021</a:t>
+              <a:t>7/6/2021</a:t>
             </a:fld>
             <a:endParaRPr lang="en-US"/>
           </a:p>
@@ -1493,7 +1493,7 @@
           <a:p>
             <a:fld id="{C989BD96-36AB-4A32-9132-F7CCB1FEFAEA}" type="datetimeFigureOut">
               <a:rPr lang="en-US" smtClean="0"/>
-              <a:t>7/1/2021</a:t>
+              <a:t>7/6/2021</a:t>
             </a:fld>
             <a:endParaRPr lang="en-US"/>
           </a:p>
@@ -1663,7 +1663,7 @@
           <a:p>
             <a:fld id="{C989BD96-36AB-4A32-9132-F7CCB1FEFAEA}" type="datetimeFigureOut">
               <a:rPr lang="en-US" smtClean="0"/>
-              <a:t>7/1/2021</a:t>
+              <a:t>7/6/2021</a:t>
             </a:fld>
             <a:endParaRPr lang="en-US"/>
           </a:p>
@@ -1843,7 +1843,7 @@
           <a:p>
             <a:fld id="{C989BD96-36AB-4A32-9132-F7CCB1FEFAEA}" type="datetimeFigureOut">
               <a:rPr lang="en-US" smtClean="0"/>
-              <a:t>7/1/2021</a:t>
+              <a:t>7/6/2021</a:t>
             </a:fld>
             <a:endParaRPr lang="en-US"/>
           </a:p>
@@ -2013,7 +2013,7 @@
           <a:p>
             <a:fld id="{C989BD96-36AB-4A32-9132-F7CCB1FEFAEA}" type="datetimeFigureOut">
               <a:rPr lang="en-US" smtClean="0"/>
-              <a:t>7/1/2021</a:t>
+              <a:t>7/6/2021</a:t>
             </a:fld>
             <a:endParaRPr lang="en-US"/>
           </a:p>
@@ -2259,7 +2259,7 @@
           <a:p>
             <a:fld id="{C989BD96-36AB-4A32-9132-F7CCB1FEFAEA}" type="datetimeFigureOut">
               <a:rPr lang="en-US" smtClean="0"/>
-              <a:t>7/1/2021</a:t>
+              <a:t>7/6/2021</a:t>
             </a:fld>
             <a:endParaRPr lang="en-US"/>
           </a:p>
@@ -2491,7 +2491,7 @@
           <a:p>
             <a:fld id="{C989BD96-36AB-4A32-9132-F7CCB1FEFAEA}" type="datetimeFigureOut">
               <a:rPr lang="en-US" smtClean="0"/>
-              <a:t>7/1/2021</a:t>
+              <a:t>7/6/2021</a:t>
             </a:fld>
             <a:endParaRPr lang="en-US"/>
           </a:p>
@@ -2858,7 +2858,7 @@
           <a:p>
             <a:fld id="{C989BD96-36AB-4A32-9132-F7CCB1FEFAEA}" type="datetimeFigureOut">
               <a:rPr lang="en-US" smtClean="0"/>
-              <a:t>7/1/2021</a:t>
+              <a:t>7/6/2021</a:t>
             </a:fld>
             <a:endParaRPr lang="en-US"/>
           </a:p>
@@ -2976,7 +2976,7 @@
           <a:p>
             <a:fld id="{C989BD96-36AB-4A32-9132-F7CCB1FEFAEA}" type="datetimeFigureOut">
               <a:rPr lang="en-US" smtClean="0"/>
-              <a:t>7/1/2021</a:t>
+              <a:t>7/6/2021</a:t>
             </a:fld>
             <a:endParaRPr lang="en-US"/>
           </a:p>
@@ -3071,7 +3071,7 @@
           <a:p>
             <a:fld id="{C989BD96-36AB-4A32-9132-F7CCB1FEFAEA}" type="datetimeFigureOut">
               <a:rPr lang="en-US" smtClean="0"/>
-              <a:t>7/1/2021</a:t>
+              <a:t>7/6/2021</a:t>
             </a:fld>
             <a:endParaRPr lang="en-US"/>
           </a:p>
@@ -3348,7 +3348,7 @@
           <a:p>
             <a:fld id="{C989BD96-36AB-4A32-9132-F7CCB1FEFAEA}" type="datetimeFigureOut">
               <a:rPr lang="en-US" smtClean="0"/>
-              <a:t>7/1/2021</a:t>
+              <a:t>7/6/2021</a:t>
             </a:fld>
             <a:endParaRPr lang="en-US"/>
           </a:p>
@@ -3601,7 +3601,7 @@
           <a:p>
             <a:fld id="{C989BD96-36AB-4A32-9132-F7CCB1FEFAEA}" type="datetimeFigureOut">
               <a:rPr lang="en-US" smtClean="0"/>
-              <a:t>7/1/2021</a:t>
+              <a:t>7/6/2021</a:t>
             </a:fld>
             <a:endParaRPr lang="en-US"/>
           </a:p>
@@ -3814,7 +3814,7 @@
           <a:p>
             <a:fld id="{C989BD96-36AB-4A32-9132-F7CCB1FEFAEA}" type="datetimeFigureOut">
               <a:rPr lang="en-US" smtClean="0"/>
-              <a:t>7/1/2021</a:t>
+              <a:t>7/6/2021</a:t>
             </a:fld>
             <a:endParaRPr lang="en-US"/>
           </a:p>
@@ -4491,7 +4491,7 @@
       </p:grpSpPr>
       <p:pic>
         <p:nvPicPr>
-          <p:cNvPr id="4" name="Picture 3"/>
+          <p:cNvPr id="2" name="Picture 1"/>
           <p:cNvPicPr>
             <a:picLocks noChangeAspect="1"/>
           </p:cNvPicPr>
@@ -4511,7 +4511,7 @@
         </p:blipFill>
         <p:spPr>
           <a:xfrm>
-            <a:off x="623450" y="690410"/>
+            <a:off x="614213" y="690410"/>
             <a:ext cx="5486400" cy="5486400"/>
           </a:xfrm>
           <a:prstGeom prst="rect">
@@ -4521,7 +4521,7 @@
       </p:pic>
       <p:pic>
         <p:nvPicPr>
-          <p:cNvPr id="5" name="Picture 4"/>
+          <p:cNvPr id="3" name="Picture 2"/>
           <p:cNvPicPr>
             <a:picLocks noChangeAspect="1"/>
           </p:cNvPicPr>
@@ -4541,7 +4541,7 @@
         </p:blipFill>
         <p:spPr>
           <a:xfrm>
-            <a:off x="6100611" y="690411"/>
+            <a:off x="6100608" y="690410"/>
             <a:ext cx="5486400" cy="5486400"/>
           </a:xfrm>
           <a:prstGeom prst="rect">
@@ -4581,7 +4581,7 @@
       </p:grpSpPr>
       <p:pic>
         <p:nvPicPr>
-          <p:cNvPr id="4" name="Picture 3"/>
+          <p:cNvPr id="3" name="Picture 2"/>
           <p:cNvPicPr>
             <a:picLocks noChangeAspect="1"/>
           </p:cNvPicPr>
@@ -4601,7 +4601,7 @@
         </p:blipFill>
         <p:spPr>
           <a:xfrm>
-            <a:off x="623450" y="690412"/>
+            <a:off x="623449" y="690412"/>
             <a:ext cx="5486400" cy="5486400"/>
           </a:xfrm>
           <a:prstGeom prst="rect">
@@ -4611,7 +4611,7 @@
       </p:pic>
       <p:pic>
         <p:nvPicPr>
-          <p:cNvPr id="5" name="Picture 4"/>
+          <p:cNvPr id="6" name="Picture 5"/>
           <p:cNvPicPr>
             <a:picLocks noChangeAspect="1"/>
           </p:cNvPicPr>
@@ -4631,7 +4631,7 @@
         </p:blipFill>
         <p:spPr>
           <a:xfrm>
-            <a:off x="6100608" y="690412"/>
+            <a:off x="6100613" y="690412"/>
             <a:ext cx="5486400" cy="5486400"/>
           </a:xfrm>
           <a:prstGeom prst="rect">
@@ -4671,7 +4671,7 @@
       </p:grpSpPr>
       <p:pic>
         <p:nvPicPr>
-          <p:cNvPr id="2" name="Picture 1"/>
+          <p:cNvPr id="4" name="Picture 3"/>
           <p:cNvPicPr>
             <a:picLocks noChangeAspect="1"/>
           </p:cNvPicPr>
@@ -4691,7 +4691,7 @@
         </p:blipFill>
         <p:spPr>
           <a:xfrm>
-            <a:off x="623447" y="690410"/>
+            <a:off x="6100615" y="690409"/>
             <a:ext cx="5486400" cy="5486400"/>
           </a:xfrm>
           <a:prstGeom prst="rect">
@@ -4701,7 +4701,7 @@
       </p:pic>
       <p:pic>
         <p:nvPicPr>
-          <p:cNvPr id="3" name="Picture 2"/>
+          <p:cNvPr id="5" name="Picture 4"/>
           <p:cNvPicPr>
             <a:picLocks noChangeAspect="1"/>
           </p:cNvPicPr>
@@ -4721,7 +4721,7 @@
         </p:blipFill>
         <p:spPr>
           <a:xfrm>
-            <a:off x="6100608" y="690408"/>
+            <a:off x="623445" y="690411"/>
             <a:ext cx="5486400" cy="5486400"/>
           </a:xfrm>
           <a:prstGeom prst="rect">
@@ -4761,7 +4761,7 @@
       </p:grpSpPr>
       <p:pic>
         <p:nvPicPr>
-          <p:cNvPr id="4" name="Picture 3"/>
+          <p:cNvPr id="3" name="Picture 2"/>
           <p:cNvPicPr>
             <a:picLocks noChangeAspect="1"/>
           </p:cNvPicPr>
@@ -4781,7 +4781,7 @@
         </p:blipFill>
         <p:spPr>
           <a:xfrm>
-            <a:off x="614207" y="690409"/>
+            <a:off x="6100615" y="690410"/>
             <a:ext cx="5486400" cy="5486400"/>
           </a:xfrm>
           <a:prstGeom prst="rect">
@@ -4791,7 +4791,7 @@
       </p:pic>
       <p:pic>
         <p:nvPicPr>
-          <p:cNvPr id="5" name="Picture 4"/>
+          <p:cNvPr id="6" name="Picture 5"/>
           <p:cNvPicPr>
             <a:picLocks noChangeAspect="1"/>
           </p:cNvPicPr>
@@ -4811,7 +4811,7 @@
         </p:blipFill>
         <p:spPr>
           <a:xfrm>
-            <a:off x="6100614" y="690410"/>
+            <a:off x="614206" y="690413"/>
             <a:ext cx="5486400" cy="5486400"/>
           </a:xfrm>
           <a:prstGeom prst="rect">
